--- a/Inspetor-de-Qualidade (2).pptx
+++ b/Inspetor-de-Qualidade (2).pptx
@@ -201,7 +201,7 @@
           <a:p>
             <a:fld id="{344B79A5-6E12-CF4C-A64A-7067405885B0}" type="datetimeFigureOut">
               <a:rPr lang="pt-BR" smtClean="0"/>
-              <a:t>17/08/2023</a:t>
+              <a:t>28/09/2023</a:t>
             </a:fld>
             <a:endParaRPr lang="pt-BR"/>
           </a:p>
@@ -1713,32 +1713,6 @@
           </a:prstGeom>
         </p:spPr>
       </p:pic>
-      <p:pic>
-        <p:nvPicPr>
-          <p:cNvPr id="10" name="Image 2" descr="preencoded.png">
-            <a:hlinkClick r:id="rId5"/>
-          </p:cNvPr>
-          <p:cNvPicPr>
-            <a:picLocks noChangeAspect="1"/>
-          </p:cNvPicPr>
-          <p:nvPr/>
-        </p:nvPicPr>
-        <p:blipFill>
-          <a:blip r:embed="rId6"/>
-          <a:stretch>
-            <a:fillRect/>
-          </a:stretch>
-        </p:blipFill>
-        <p:spPr>
-          <a:xfrm>
-            <a:off x="12242153" y="7589520"/>
-            <a:ext cx="2296807" cy="548640"/>
-          </a:xfrm>
-          <a:prstGeom prst="rect">
-            <a:avLst/>
-          </a:prstGeom>
-        </p:spPr>
-      </p:pic>
     </p:spTree>
   </p:cSld>
   <p:clrMapOvr>
@@ -2295,32 +2269,6 @@
           </a:p>
         </p:txBody>
       </p:sp>
-      <p:pic>
-        <p:nvPicPr>
-          <p:cNvPr id="17" name="Image 0" descr="preencoded.png">
-            <a:hlinkClick r:id="rId3"/>
-          </p:cNvPr>
-          <p:cNvPicPr>
-            <a:picLocks noChangeAspect="1"/>
-          </p:cNvPicPr>
-          <p:nvPr/>
-        </p:nvPicPr>
-        <p:blipFill>
-          <a:blip r:embed="rId4"/>
-          <a:stretch>
-            <a:fillRect/>
-          </a:stretch>
-        </p:blipFill>
-        <p:spPr>
-          <a:xfrm>
-            <a:off x="12242153" y="7589520"/>
-            <a:ext cx="2296807" cy="548640"/>
-          </a:xfrm>
-          <a:prstGeom prst="rect">
-            <a:avLst/>
-          </a:prstGeom>
-        </p:spPr>
-      </p:pic>
     </p:spTree>
   </p:cSld>
   <p:clrMapOvr>
@@ -2759,8 +2707,42 @@
       </p:sp>
       <p:pic>
         <p:nvPicPr>
-          <p:cNvPr id="14" name="Image 3" descr="preencoded.png">
-            <a:hlinkClick r:id="rId6"/>
+          <p:cNvPr id="16" name="Imagem 15">
+            <a:extLst>
+              <a:ext uri="{FF2B5EF4-FFF2-40B4-BE49-F238E27FC236}">
+                <a16:creationId xmlns:a16="http://schemas.microsoft.com/office/drawing/2014/main" id="{6EAADC3D-BC42-4094-8E11-1C6991A56EFE}"/>
+              </a:ext>
+            </a:extLst>
+          </p:cNvPr>
+          <p:cNvPicPr>
+            <a:picLocks noChangeAspect="1"/>
+          </p:cNvPicPr>
+          <p:nvPr/>
+        </p:nvPicPr>
+        <p:blipFill>
+          <a:blip r:embed="rId6"/>
+          <a:stretch>
+            <a:fillRect/>
+          </a:stretch>
+        </p:blipFill>
+        <p:spPr>
+          <a:xfrm>
+            <a:off x="2037874" y="3056096"/>
+            <a:ext cx="3296007" cy="2037040"/>
+          </a:xfrm>
+          <a:prstGeom prst="rect">
+            <a:avLst/>
+          </a:prstGeom>
+        </p:spPr>
+      </p:pic>
+      <p:pic>
+        <p:nvPicPr>
+          <p:cNvPr id="18" name="Imagem 17">
+            <a:extLst>
+              <a:ext uri="{FF2B5EF4-FFF2-40B4-BE49-F238E27FC236}">
+                <a16:creationId xmlns:a16="http://schemas.microsoft.com/office/drawing/2014/main" id="{B50F7EDC-4BDA-4C30-823B-3626645B57EC}"/>
+              </a:ext>
+            </a:extLst>
           </p:cNvPr>
           <p:cNvPicPr>
             <a:picLocks noChangeAspect="1"/>
@@ -2775,8 +2757,38 @@
         </p:blipFill>
         <p:spPr>
           <a:xfrm>
-            <a:off x="12242153" y="7589520"/>
-            <a:ext cx="2296807" cy="548640"/>
+            <a:off x="5646847" y="3060157"/>
+            <a:ext cx="3316298" cy="2028918"/>
+          </a:xfrm>
+          <a:prstGeom prst="rect">
+            <a:avLst/>
+          </a:prstGeom>
+        </p:spPr>
+      </p:pic>
+      <p:pic>
+        <p:nvPicPr>
+          <p:cNvPr id="20" name="Imagem 19">
+            <a:extLst>
+              <a:ext uri="{FF2B5EF4-FFF2-40B4-BE49-F238E27FC236}">
+                <a16:creationId xmlns:a16="http://schemas.microsoft.com/office/drawing/2014/main" id="{ED76E24B-84D1-4AA4-9799-07D4128676BC}"/>
+              </a:ext>
+            </a:extLst>
+          </p:cNvPr>
+          <p:cNvPicPr>
+            <a:picLocks noChangeAspect="1"/>
+          </p:cNvPicPr>
+          <p:nvPr/>
+        </p:nvPicPr>
+        <p:blipFill>
+          <a:blip r:embed="rId8"/>
+          <a:stretch>
+            <a:fillRect/>
+          </a:stretch>
+        </p:blipFill>
+        <p:spPr>
+          <a:xfrm>
+            <a:off x="9276111" y="3051915"/>
+            <a:ext cx="3295888" cy="2037160"/>
           </a:xfrm>
           <a:prstGeom prst="rect">
             <a:avLst/>
@@ -3434,32 +3446,6 @@
           </a:p>
         </p:txBody>
       </p:sp>
-      <p:pic>
-        <p:nvPicPr>
-          <p:cNvPr id="21" name="Image 0" descr="preencoded.png">
-            <a:hlinkClick r:id="rId3"/>
-          </p:cNvPr>
-          <p:cNvPicPr>
-            <a:picLocks noChangeAspect="1"/>
-          </p:cNvPicPr>
-          <p:nvPr/>
-        </p:nvPicPr>
-        <p:blipFill>
-          <a:blip r:embed="rId4"/>
-          <a:stretch>
-            <a:fillRect/>
-          </a:stretch>
-        </p:blipFill>
-        <p:spPr>
-          <a:xfrm>
-            <a:off x="12242153" y="7589520"/>
-            <a:ext cx="2296807" cy="548640"/>
-          </a:xfrm>
-          <a:prstGeom prst="rect">
-            <a:avLst/>
-          </a:prstGeom>
-        </p:spPr>
-      </p:pic>
     </p:spTree>
   </p:cSld>
   <p:clrMapOvr>
@@ -4202,32 +4188,6 @@
           <a:xfrm>
             <a:off x="0" y="0"/>
             <a:ext cx="5486400" cy="8230433"/>
-          </a:xfrm>
-          <a:prstGeom prst="rect">
-            <a:avLst/>
-          </a:prstGeom>
-        </p:spPr>
-      </p:pic>
-      <p:pic>
-        <p:nvPicPr>
-          <p:cNvPr id="22" name="Image 1" descr="preencoded.png">
-            <a:hlinkClick r:id="rId4"/>
-          </p:cNvPr>
-          <p:cNvPicPr>
-            <a:picLocks noChangeAspect="1"/>
-          </p:cNvPicPr>
-          <p:nvPr/>
-        </p:nvPicPr>
-        <p:blipFill>
-          <a:blip r:embed="rId5"/>
-          <a:stretch>
-            <a:fillRect/>
-          </a:stretch>
-        </p:blipFill>
-        <p:spPr>
-          <a:xfrm>
-            <a:off x="12242153" y="7589520"/>
-            <a:ext cx="2296807" cy="548640"/>
           </a:xfrm>
           <a:prstGeom prst="rect">
             <a:avLst/>
@@ -4287,7 +4247,7 @@
         </p:nvSpPr>
         <p:spPr>
           <a:xfrm>
-            <a:off x="0" y="0"/>
+            <a:off x="0" y="9939"/>
             <a:ext cx="14630400" cy="8229600"/>
           </a:xfrm>
           <a:prstGeom prst="rect">
@@ -4724,32 +4684,6 @@
           </a:p>
         </p:txBody>
       </p:sp>
-      <p:pic>
-        <p:nvPicPr>
-          <p:cNvPr id="14" name="Image 0" descr="preencoded.png">
-            <a:hlinkClick r:id="rId3"/>
-          </p:cNvPr>
-          <p:cNvPicPr>
-            <a:picLocks noChangeAspect="1"/>
-          </p:cNvPicPr>
-          <p:nvPr/>
-        </p:nvPicPr>
-        <p:blipFill>
-          <a:blip r:embed="rId4"/>
-          <a:stretch>
-            <a:fillRect/>
-          </a:stretch>
-        </p:blipFill>
-        <p:spPr>
-          <a:xfrm>
-            <a:off x="12242153" y="7589520"/>
-            <a:ext cx="2296807" cy="548640"/>
-          </a:xfrm>
-          <a:prstGeom prst="rect">
-            <a:avLst/>
-          </a:prstGeom>
-        </p:spPr>
-      </p:pic>
     </p:spTree>
   </p:cSld>
   <p:clrMapOvr>
@@ -5314,8 +5248,42 @@
       </p:sp>
       <p:pic>
         <p:nvPicPr>
-          <p:cNvPr id="17" name="Image 3" descr="preencoded.png">
-            <a:hlinkClick r:id="rId6"/>
+          <p:cNvPr id="19" name="Imagem 18">
+            <a:extLst>
+              <a:ext uri="{FF2B5EF4-FFF2-40B4-BE49-F238E27FC236}">
+                <a16:creationId xmlns:a16="http://schemas.microsoft.com/office/drawing/2014/main" id="{3F5C2559-112E-44A8-97B4-B6CB58C52988}"/>
+              </a:ext>
+            </a:extLst>
+          </p:cNvPr>
+          <p:cNvPicPr>
+            <a:picLocks noChangeAspect="1"/>
+          </p:cNvPicPr>
+          <p:nvPr/>
+        </p:nvPicPr>
+        <p:blipFill>
+          <a:blip r:embed="rId6"/>
+          <a:stretch>
+            <a:fillRect/>
+          </a:stretch>
+        </p:blipFill>
+        <p:spPr>
+          <a:xfrm>
+            <a:off x="5667136" y="2253615"/>
+            <a:ext cx="3296007" cy="2036921"/>
+          </a:xfrm>
+          <a:prstGeom prst="rect">
+            <a:avLst/>
+          </a:prstGeom>
+        </p:spPr>
+      </p:pic>
+      <p:pic>
+        <p:nvPicPr>
+          <p:cNvPr id="21" name="Imagem 20">
+            <a:extLst>
+              <a:ext uri="{FF2B5EF4-FFF2-40B4-BE49-F238E27FC236}">
+                <a16:creationId xmlns:a16="http://schemas.microsoft.com/office/drawing/2014/main" id="{5A5A9208-7D7B-4B5C-AC90-8298ABE0BAFB}"/>
+              </a:ext>
+            </a:extLst>
           </p:cNvPr>
           <p:cNvPicPr>
             <a:picLocks noChangeAspect="1"/>
@@ -5330,8 +5298,8 @@
         </p:blipFill>
         <p:spPr>
           <a:xfrm>
-            <a:off x="12242153" y="7589520"/>
-            <a:ext cx="2296807" cy="548640"/>
+            <a:off x="2037993" y="2230921"/>
+            <a:ext cx="3295887" cy="2059734"/>
           </a:xfrm>
           <a:prstGeom prst="rect">
             <a:avLst/>
@@ -6162,32 +6130,6 @@
           </a:p>
         </p:txBody>
       </p:sp>
-      <p:pic>
-        <p:nvPicPr>
-          <p:cNvPr id="26" name="Image 0" descr="preencoded.png">
-            <a:hlinkClick r:id="rId3"/>
-          </p:cNvPr>
-          <p:cNvPicPr>
-            <a:picLocks noChangeAspect="1"/>
-          </p:cNvPicPr>
-          <p:nvPr/>
-        </p:nvPicPr>
-        <p:blipFill>
-          <a:blip r:embed="rId4"/>
-          <a:stretch>
-            <a:fillRect/>
-          </a:stretch>
-        </p:blipFill>
-        <p:spPr>
-          <a:xfrm>
-            <a:off x="12242153" y="7589520"/>
-            <a:ext cx="2296807" cy="548640"/>
-          </a:xfrm>
-          <a:prstGeom prst="rect">
-            <a:avLst/>
-          </a:prstGeom>
-        </p:spPr>
-      </p:pic>
     </p:spTree>
   </p:cSld>
   <p:clrMapOvr>
